--- a/admin/ScreenDesign.pptx
+++ b/admin/ScreenDesign.pptx
@@ -115,6 +115,11 @@
       </a:defRPr>
     </a:lvl9pPr>
   </p:defaultTextStyle>
+  <p:extLst>
+    <p:ext uri="{EFAFB233-063F-42B5-8137-9DF3F51BA10A}">
+      <p15:sldGuideLst xmlns:p15="http://schemas.microsoft.com/office/powerpoint/2012/main"/>
+    </p:ext>
+  </p:extLst>
 </p:presentation>
 </file>
 
@@ -200,7 +205,7 @@
           <a:p>
             <a:fld id="{ED3812BB-AC72-E74E-9DD1-E1843C50E85E}" type="datetimeFigureOut">
               <a:rPr lang="en-US" smtClean="0"/>
-              <a:t>11/9/17</a:t>
+              <a:t>11/12/17</a:t>
             </a:fld>
             <a:endParaRPr lang="en-US"/>
           </a:p>
@@ -599,7 +604,7 @@
           <a:p>
             <a:fld id="{E2DEAD10-E101-234D-B3F4-19D198990490}" type="datetimeFigureOut">
               <a:rPr lang="en-US" smtClean="0"/>
-              <a:t>11/8/17</a:t>
+              <a:t>11/12/17</a:t>
             </a:fld>
             <a:endParaRPr lang="en-US"/>
           </a:p>
@@ -769,7 +774,7 @@
           <a:p>
             <a:fld id="{E2DEAD10-E101-234D-B3F4-19D198990490}" type="datetimeFigureOut">
               <a:rPr lang="en-US" smtClean="0"/>
-              <a:t>11/8/17</a:t>
+              <a:t>11/12/17</a:t>
             </a:fld>
             <a:endParaRPr lang="en-US"/>
           </a:p>
@@ -949,7 +954,7 @@
           <a:p>
             <a:fld id="{E2DEAD10-E101-234D-B3F4-19D198990490}" type="datetimeFigureOut">
               <a:rPr lang="en-US" smtClean="0"/>
-              <a:t>11/8/17</a:t>
+              <a:t>11/12/17</a:t>
             </a:fld>
             <a:endParaRPr lang="en-US"/>
           </a:p>
@@ -1119,7 +1124,7 @@
           <a:p>
             <a:fld id="{E2DEAD10-E101-234D-B3F4-19D198990490}" type="datetimeFigureOut">
               <a:rPr lang="en-US" smtClean="0"/>
-              <a:t>11/8/17</a:t>
+              <a:t>11/12/17</a:t>
             </a:fld>
             <a:endParaRPr lang="en-US"/>
           </a:p>
@@ -1365,7 +1370,7 @@
           <a:p>
             <a:fld id="{E2DEAD10-E101-234D-B3F4-19D198990490}" type="datetimeFigureOut">
               <a:rPr lang="en-US" smtClean="0"/>
-              <a:t>11/8/17</a:t>
+              <a:t>11/12/17</a:t>
             </a:fld>
             <a:endParaRPr lang="en-US"/>
           </a:p>
@@ -1597,7 +1602,7 @@
           <a:p>
             <a:fld id="{E2DEAD10-E101-234D-B3F4-19D198990490}" type="datetimeFigureOut">
               <a:rPr lang="en-US" smtClean="0"/>
-              <a:t>11/8/17</a:t>
+              <a:t>11/12/17</a:t>
             </a:fld>
             <a:endParaRPr lang="en-US"/>
           </a:p>
@@ -1964,7 +1969,7 @@
           <a:p>
             <a:fld id="{E2DEAD10-E101-234D-B3F4-19D198990490}" type="datetimeFigureOut">
               <a:rPr lang="en-US" smtClean="0"/>
-              <a:t>11/8/17</a:t>
+              <a:t>11/12/17</a:t>
             </a:fld>
             <a:endParaRPr lang="en-US"/>
           </a:p>
@@ -2082,7 +2087,7 @@
           <a:p>
             <a:fld id="{E2DEAD10-E101-234D-B3F4-19D198990490}" type="datetimeFigureOut">
               <a:rPr lang="en-US" smtClean="0"/>
-              <a:t>11/8/17</a:t>
+              <a:t>11/12/17</a:t>
             </a:fld>
             <a:endParaRPr lang="en-US"/>
           </a:p>
@@ -2177,7 +2182,7 @@
           <a:p>
             <a:fld id="{E2DEAD10-E101-234D-B3F4-19D198990490}" type="datetimeFigureOut">
               <a:rPr lang="en-US" smtClean="0"/>
-              <a:t>11/8/17</a:t>
+              <a:t>11/12/17</a:t>
             </a:fld>
             <a:endParaRPr lang="en-US"/>
           </a:p>
@@ -2454,7 +2459,7 @@
           <a:p>
             <a:fld id="{E2DEAD10-E101-234D-B3F4-19D198990490}" type="datetimeFigureOut">
               <a:rPr lang="en-US" smtClean="0"/>
-              <a:t>11/8/17</a:t>
+              <a:t>11/12/17</a:t>
             </a:fld>
             <a:endParaRPr lang="en-US"/>
           </a:p>
@@ -2707,7 +2712,7 @@
           <a:p>
             <a:fld id="{E2DEAD10-E101-234D-B3F4-19D198990490}" type="datetimeFigureOut">
               <a:rPr lang="en-US" smtClean="0"/>
-              <a:t>11/8/17</a:t>
+              <a:t>11/12/17</a:t>
             </a:fld>
             <a:endParaRPr lang="en-US"/>
           </a:p>
@@ -2920,7 +2925,7 @@
           <a:p>
             <a:fld id="{E2DEAD10-E101-234D-B3F4-19D198990490}" type="datetimeFigureOut">
               <a:rPr lang="en-US" smtClean="0"/>
-              <a:t>11/8/17</a:t>
+              <a:t>11/12/17</a:t>
             </a:fld>
             <a:endParaRPr lang="en-US"/>
           </a:p>
@@ -3883,10 +3888,18 @@
           <a:p>
             <a:pPr algn="ctr"/>
             <a:r>
-              <a:rPr lang="en-US" dirty="0" smtClean="0"/>
+              <a:rPr lang="en-US" dirty="0" smtClean="0">
+                <a:solidFill>
+                  <a:schemeClr val="tx1"/>
+                </a:solidFill>
+              </a:rPr>
               <a:t>My Details Section</a:t>
             </a:r>
-            <a:endParaRPr lang="en-US" dirty="0"/>
+            <a:endParaRPr lang="en-US" dirty="0">
+              <a:solidFill>
+                <a:schemeClr val="tx1"/>
+              </a:solidFill>
+            </a:endParaRPr>
           </a:p>
         </p:txBody>
       </p:sp>
@@ -3932,10 +3945,18 @@
           <a:p>
             <a:pPr algn="ctr"/>
             <a:r>
-              <a:rPr lang="en-US" dirty="0" smtClean="0"/>
+              <a:rPr lang="en-US" dirty="0" smtClean="0">
+                <a:solidFill>
+                  <a:schemeClr val="tx1"/>
+                </a:solidFill>
+              </a:rPr>
               <a:t>My Manager Details Section</a:t>
             </a:r>
-            <a:endParaRPr lang="en-US" dirty="0"/>
+            <a:endParaRPr lang="en-US" dirty="0">
+              <a:solidFill>
+                <a:schemeClr val="tx1"/>
+              </a:solidFill>
+            </a:endParaRPr>
           </a:p>
         </p:txBody>
       </p:sp>
@@ -3981,10 +4002,18 @@
           <a:p>
             <a:pPr algn="ctr"/>
             <a:r>
-              <a:rPr lang="en-US" dirty="0" smtClean="0"/>
+              <a:rPr lang="en-US" dirty="0" smtClean="0">
+                <a:solidFill>
+                  <a:schemeClr val="tx1"/>
+                </a:solidFill>
+              </a:rPr>
               <a:t>My Leave Applications Section</a:t>
             </a:r>
-            <a:endParaRPr lang="en-US" dirty="0"/>
+            <a:endParaRPr lang="en-US" dirty="0">
+              <a:solidFill>
+                <a:schemeClr val="tx1"/>
+              </a:solidFill>
+            </a:endParaRPr>
           </a:p>
         </p:txBody>
       </p:sp>
@@ -4030,10 +4059,18 @@
           <a:p>
             <a:pPr algn="ctr"/>
             <a:r>
-              <a:rPr lang="en-US" dirty="0" smtClean="0"/>
+              <a:rPr lang="en-US" dirty="0" smtClean="0">
+                <a:solidFill>
+                  <a:schemeClr val="tx1"/>
+                </a:solidFill>
+              </a:rPr>
               <a:t>My Reporting Employees’ Pending Leave Applications Section</a:t>
             </a:r>
-            <a:endParaRPr lang="en-US" dirty="0"/>
+            <a:endParaRPr lang="en-US" dirty="0">
+              <a:solidFill>
+                <a:schemeClr val="tx1"/>
+              </a:solidFill>
+            </a:endParaRPr>
           </a:p>
         </p:txBody>
       </p:sp>
@@ -8620,6 +8657,36 @@
           </a:p>
         </p:txBody>
       </p:sp>
+      <p:cxnSp>
+        <p:nvCxnSpPr>
+          <p:cNvPr id="18" name="Straight Connector 17"/>
+          <p:cNvCxnSpPr/>
+          <p:nvPr/>
+        </p:nvCxnSpPr>
+        <p:spPr>
+          <a:xfrm>
+            <a:off x="3853936" y="5500898"/>
+            <a:ext cx="2267731" cy="360887"/>
+          </a:xfrm>
+          <a:prstGeom prst="line">
+            <a:avLst/>
+          </a:prstGeom>
+        </p:spPr>
+        <p:style>
+          <a:lnRef idx="1">
+            <a:schemeClr val="accent1"/>
+          </a:lnRef>
+          <a:fillRef idx="0">
+            <a:schemeClr val="accent1"/>
+          </a:fillRef>
+          <a:effectRef idx="0">
+            <a:schemeClr val="accent1"/>
+          </a:effectRef>
+          <a:fontRef idx="minor">
+            <a:schemeClr val="tx1"/>
+          </a:fontRef>
+        </p:style>
+      </p:cxnSp>
     </p:spTree>
     <p:extLst>
       <p:ext uri="{BB962C8B-B14F-4D97-AF65-F5344CB8AC3E}">
@@ -8878,8 +8945,8 @@
             <a:avLst>
               <a:gd name="adj1" fmla="val 18750"/>
               <a:gd name="adj2" fmla="val -8333"/>
-              <a:gd name="adj3" fmla="val 12342"/>
-              <a:gd name="adj4" fmla="val -23200"/>
+              <a:gd name="adj3" fmla="val 15761"/>
+              <a:gd name="adj4" fmla="val -14258"/>
             </a:avLst>
           </a:prstGeom>
           <a:noFill/>
@@ -9371,6 +9438,66 @@
           </a:p>
         </p:txBody>
       </p:sp>
+      <p:cxnSp>
+        <p:nvCxnSpPr>
+          <p:cNvPr id="3" name="Straight Connector 2"/>
+          <p:cNvCxnSpPr/>
+          <p:nvPr/>
+        </p:nvCxnSpPr>
+        <p:spPr>
+          <a:xfrm>
+            <a:off x="6096000" y="5841601"/>
+            <a:ext cx="1796716" cy="116437"/>
+          </a:xfrm>
+          <a:prstGeom prst="line">
+            <a:avLst/>
+          </a:prstGeom>
+        </p:spPr>
+        <p:style>
+          <a:lnRef idx="1">
+            <a:schemeClr val="accent1"/>
+          </a:lnRef>
+          <a:fillRef idx="0">
+            <a:schemeClr val="accent1"/>
+          </a:fillRef>
+          <a:effectRef idx="0">
+            <a:schemeClr val="accent1"/>
+          </a:effectRef>
+          <a:fontRef idx="minor">
+            <a:schemeClr val="tx1"/>
+          </a:fontRef>
+        </p:style>
+      </p:cxnSp>
+      <p:cxnSp>
+        <p:nvCxnSpPr>
+          <p:cNvPr id="12" name="Straight Connector 11"/>
+          <p:cNvCxnSpPr/>
+          <p:nvPr/>
+        </p:nvCxnSpPr>
+        <p:spPr>
+          <a:xfrm>
+            <a:off x="4522626" y="5841601"/>
+            <a:ext cx="3370090" cy="559199"/>
+          </a:xfrm>
+          <a:prstGeom prst="line">
+            <a:avLst/>
+          </a:prstGeom>
+        </p:spPr>
+        <p:style>
+          <a:lnRef idx="1">
+            <a:schemeClr val="accent1"/>
+          </a:lnRef>
+          <a:fillRef idx="0">
+            <a:schemeClr val="accent1"/>
+          </a:fillRef>
+          <a:effectRef idx="0">
+            <a:schemeClr val="accent1"/>
+          </a:effectRef>
+          <a:fontRef idx="minor">
+            <a:schemeClr val="tx1"/>
+          </a:fontRef>
+        </p:style>
+      </p:cxnSp>
     </p:spTree>
     <p:extLst>
       <p:ext uri="{BB962C8B-B14F-4D97-AF65-F5344CB8AC3E}">
